--- a/decks/workshop-strategist/workshop-strategist.pptx
+++ b/decks/workshop-strategist/workshop-strategist.pptx
@@ -523,7 +523,7 @@
           <a:p>
             <a:r>
               <a:rPr lang="en-US" dirty="0"/>
-              <a:t>Welcome to Session 2 of the AI Academy.</a:t>
+              <a:t>Session 2 of AI Academy.</a:t>
             </a:r>
             <a:endParaRPr lang="en-US" dirty="0"/>
           </a:p>
@@ -699,7 +699,7 @@
           <a:p>
             <a:r>
               <a:rPr lang="en-US" dirty="0"/>
-              <a:t>The natural question: ‘Do I have to do this every time?’ The answer is no — skills fix this.</a:t>
+              <a:t>Anticipate audience question: ‘Every time?’ Answer: no — skills fix this.</a:t>
             </a:r>
             <a:endParaRPr lang="en-US" dirty="0"/>
           </a:p>
@@ -963,7 +963,7 @@
           <a:p>
             <a:r>
               <a:rPr lang="en-US" dirty="0"/>
-              <a:t>Walk through where to find Custom Instructions. Screen-share this. Wait for everyone to find it. This is the critical setup moment — if people can’t find the setting, the exercise fails.</a:t>
+              <a:t>Walk through Custom Instructions location. Screen-share. Wait for everyone. Critical setup — exercise depends on this.</a:t>
             </a:r>
             <a:endParaRPr lang="en-US" dirty="0"/>
           </a:p>
@@ -1051,7 +1051,7 @@
           <a:p>
             <a:r>
               <a:rPr lang="en-US" dirty="0"/>
-              <a:t>Give 4-5 minutes. Walk around and help. This is the linchpin exercise — if it works, the whole session clicks.</a:t>
+              <a:t>4-5 minutes. Walk around, help. Linchpin exercise — session depends on this working.</a:t>
             </a:r>
             <a:endParaRPr lang="en-US" dirty="0"/>
           </a:p>
@@ -1227,7 +1227,7 @@
           <a:p>
             <a:r>
               <a:rPr lang="en-US" dirty="0"/>
-              <a:t>Let this land. They just experienced the skill working. The custom instruction handled everything they used to type manually.</a:t>
+              <a:t>Let this land. Skill working = custom instruction handles all manual typing.</a:t>
             </a:r>
             <a:endParaRPr lang="en-US" dirty="0"/>
           </a:p>
@@ -1403,7 +1403,7 @@
           <a:p>
             <a:r>
               <a:rPr lang="en-US" dirty="0"/>
-              <a:t>Same concept, many names across tools. If your tool has a way to save reusable instructions, use it. That’s a skill.</a:t>
+              <a:t>Same concept, many names across tools. Any saved reusable instructions = a skill.</a:t>
             </a:r>
             <a:endParaRPr lang="en-US" dirty="0"/>
           </a:p>
@@ -1491,7 +1491,7 @@
           <a:p>
             <a:r>
               <a:rPr lang="en-US" dirty="0"/>
-              <a:t>Whisperer → Strategist. Last time you learned to talk to AI. Today you make it remember.</a:t>
+              <a:t>Whisperer → Strategist. Previously: talking to AI. Today: making it remember.</a:t>
             </a:r>
             <a:endParaRPr lang="en-US" dirty="0"/>
           </a:p>
@@ -1667,7 +1667,7 @@
           <a:p>
             <a:r>
               <a:rPr lang="en-US" dirty="0"/>
-              <a:t>The cliffhanger for next session. They prompt well, they’ve set up skills, but they’re still copy-pasting, searching, doing the grunt work. Next time, the agent does that.</a:t>
+              <a:t>Cliffhanger. Prompt + skills in place, but still manual grunt work. Next session: agent handles that.</a:t>
             </a:r>
             <a:endParaRPr lang="en-US" dirty="0"/>
           </a:p>
@@ -1843,7 +1843,7 @@
           <a:p>
             <a:r>
               <a:rPr lang="en-US" dirty="0"/>
-              <a:t>Quick recap. They built a great prompt last session — role, specifics, structure, keywords, output format. But every new conversation, they type all of that again.</a:t>
+              <a:t>Quick recap. W1 output: role, specifics, structure, keywords, output format. Problem: re-typed every conversation.</a:t>
             </a:r>
             <a:endParaRPr lang="en-US" dirty="0"/>
           </a:p>
@@ -1931,7 +1931,7 @@
           <a:p>
             <a:r>
               <a:rPr lang="en-US" dirty="0"/>
-              <a:t>Callback to the cliffhanger from Workshop 1. Every iteration changed the words. Now we change the information.</a:t>
+              <a:t>Callback to W1 cliffhanger. Previously changed words; now changing information.</a:t>
             </a:r>
             <a:endParaRPr lang="en-US" dirty="0"/>
           </a:p>
@@ -2283,7 +2283,7 @@
           <a:p>
             <a:r>
               <a:rPr lang="en-US" dirty="0"/>
-              <a:t>The AI colleague metaphor. Every conversation starts fresh — no memory of previous interactions, your company, your role. This is why context matters: you have to provide it every single time.</a:t>
+              <a:t>AI colleague metaphor. Every conversation starts fresh — no memory. Must provide context each time.</a:t>
             </a:r>
             <a:endParaRPr lang="en-US" dirty="0"/>
           </a:p>
